--- a/3_Mini_Projekt/Talking Ben Auftrag.pptx
+++ b/3_Mini_Projekt/Talking Ben Auftrag.pptx
@@ -6,19 +6,18 @@
     <p:sldMasterId id="2147483675" r:id="rId2"/>
   </p:sldMasterIdLst>
   <p:notesMasterIdLst>
-    <p:notesMasterId r:id="rId10"/>
+    <p:notesMasterId r:id="rId9"/>
   </p:notesMasterIdLst>
   <p:handoutMasterIdLst>
-    <p:handoutMasterId r:id="rId11"/>
+    <p:handoutMasterId r:id="rId10"/>
   </p:handoutMasterIdLst>
   <p:sldIdLst>
     <p:sldId id="256" r:id="rId3"/>
     <p:sldId id="257" r:id="rId4"/>
     <p:sldId id="258" r:id="rId5"/>
-    <p:sldId id="259" r:id="rId6"/>
-    <p:sldId id="260" r:id="rId7"/>
+    <p:sldId id="263" r:id="rId6"/>
+    <p:sldId id="259" r:id="rId7"/>
     <p:sldId id="261" r:id="rId8"/>
-    <p:sldId id="262" r:id="rId9"/>
   </p:sldIdLst>
   <p:sldSz cx="9144000" cy="5143500" type="screen16x9"/>
   <p:notesSz cx="6858000" cy="9144000"/>
@@ -204,7 +203,7 @@
                 <a:latin typeface="Frutiger LT Com 45 Light" pitchFamily="34" charset="0"/>
               </a:rPr>
               <a:pPr/>
-              <a:t>11.04.2022</a:t>
+              <a:t>12.04.2022</a:t>
             </a:fld>
             <a:r>
               <a:rPr lang="de-CH" dirty="0">
@@ -383,7 +382,7 @@
             <a:fld id="{348AF779-8C48-4717-BBF6-C2D02C080EA4}" type="datetimeFigureOut">
               <a:rPr lang="de-CH" smtClean="0"/>
               <a:pPr/>
-              <a:t>11.04.2022</a:t>
+              <a:t>12.04.2022</a:t>
             </a:fld>
             <a:r>
               <a:rPr lang="de-CH"/>
@@ -2578,21 +2577,8 @@
           <a:p>
             <a:r>
               <a:rPr lang="de-CH" dirty="0"/>
-              <a:t>PHP-</a:t>
-            </a:r>
-            <a:r>
-              <a:rPr lang="de-CH" dirty="0" err="1"/>
-              <a:t>If</a:t>
-            </a:r>
-            <a:r>
-              <a:rPr lang="de-CH" dirty="0"/>
-              <a:t>/</a:t>
-            </a:r>
-            <a:r>
-              <a:rPr lang="de-CH" dirty="0" err="1"/>
-              <a:t>else</a:t>
-            </a:r>
-            <a:endParaRPr lang="de-CH" dirty="0"/>
+              <a:t>Mini-Projekt</a:t>
+            </a:r>
           </a:p>
         </p:txBody>
       </p:sp>
@@ -2665,7 +2651,11 @@
           <a:bodyPr/>
           <a:lstStyle/>
           <a:p>
-            <a:endParaRPr lang="de-CH"/>
+            <a:r>
+              <a:rPr lang="de-CH" dirty="0" err="1"/>
+              <a:t>readline</a:t>
+            </a:r>
+            <a:endParaRPr lang="de-CH" dirty="0"/>
           </a:p>
         </p:txBody>
       </p:sp>
@@ -2684,10 +2674,130 @@
           <a:bodyPr/>
           <a:lstStyle/>
           <a:p>
+            <a:r>
+              <a:rPr lang="de-CH" dirty="0"/>
+              <a:t>User-Input</a:t>
+            </a:r>
+          </a:p>
+          <a:p>
+            <a:r>
+              <a:rPr lang="de-CH" dirty="0"/>
+              <a:t>Variabel gespeichert</a:t>
+            </a:r>
+          </a:p>
+          <a:p>
+            <a:r>
+              <a:rPr lang="de-CH" dirty="0"/>
+              <a:t>Ausgabe</a:t>
+            </a:r>
+          </a:p>
+          <a:p>
+            <a:r>
+              <a:rPr lang="de-CH" dirty="0"/>
+              <a:t>Echoen</a:t>
+            </a:r>
+          </a:p>
+          <a:p>
             <a:endParaRPr lang="de-CH" dirty="0"/>
+          </a:p>
+          <a:p>
+            <a:r>
+              <a:rPr lang="de-CH" b="1" dirty="0"/>
+              <a:t>Auftrag: Name abfragen und dann ausgeben.</a:t>
+            </a:r>
           </a:p>
         </p:txBody>
       </p:sp>
+      <p:pic>
+        <p:nvPicPr>
+          <p:cNvPr id="8" name="Picture 7">
+            <a:extLst>
+              <a:ext uri="{FF2B5EF4-FFF2-40B4-BE49-F238E27FC236}">
+                <a16:creationId xmlns:a16="http://schemas.microsoft.com/office/drawing/2014/main" id="{E213DAB5-FC19-4187-8A1F-B49985C4899A}"/>
+              </a:ext>
+            </a:extLst>
+          </p:cNvPr>
+          <p:cNvPicPr>
+            <a:picLocks noChangeAspect="1"/>
+          </p:cNvPicPr>
+          <p:nvPr/>
+        </p:nvPicPr>
+        <p:blipFill>
+          <a:blip r:embed="rId2"/>
+          <a:stretch>
+            <a:fillRect/>
+          </a:stretch>
+        </p:blipFill>
+        <p:spPr>
+          <a:xfrm>
+            <a:off x="3419872" y="2009697"/>
+            <a:ext cx="4686954" cy="562053"/>
+          </a:xfrm>
+          <a:prstGeom prst="rect">
+            <a:avLst/>
+          </a:prstGeom>
+        </p:spPr>
+      </p:pic>
+      <p:pic>
+        <p:nvPicPr>
+          <p:cNvPr id="10" name="Picture 9">
+            <a:extLst>
+              <a:ext uri="{FF2B5EF4-FFF2-40B4-BE49-F238E27FC236}">
+                <a16:creationId xmlns:a16="http://schemas.microsoft.com/office/drawing/2014/main" id="{3AE49E70-D739-4D52-AEAA-087B9D5237A6}"/>
+              </a:ext>
+            </a:extLst>
+          </p:cNvPr>
+          <p:cNvPicPr>
+            <a:picLocks noChangeAspect="1"/>
+          </p:cNvPicPr>
+          <p:nvPr/>
+        </p:nvPicPr>
+        <p:blipFill>
+          <a:blip r:embed="rId3"/>
+          <a:stretch>
+            <a:fillRect/>
+          </a:stretch>
+        </p:blipFill>
+        <p:spPr>
+          <a:xfrm>
+            <a:off x="2195736" y="2611516"/>
+            <a:ext cx="2353003" cy="342948"/>
+          </a:xfrm>
+          <a:prstGeom prst="rect">
+            <a:avLst/>
+          </a:prstGeom>
+        </p:spPr>
+      </p:pic>
+      <p:pic>
+        <p:nvPicPr>
+          <p:cNvPr id="12" name="Picture 11">
+            <a:extLst>
+              <a:ext uri="{FF2B5EF4-FFF2-40B4-BE49-F238E27FC236}">
+                <a16:creationId xmlns:a16="http://schemas.microsoft.com/office/drawing/2014/main" id="{A75E97B3-E3D7-402F-A0F2-8FA51087912C}"/>
+              </a:ext>
+            </a:extLst>
+          </p:cNvPr>
+          <p:cNvPicPr>
+            <a:picLocks noChangeAspect="1"/>
+          </p:cNvPicPr>
+          <p:nvPr/>
+        </p:nvPicPr>
+        <p:blipFill>
+          <a:blip r:embed="rId4"/>
+          <a:stretch>
+            <a:fillRect/>
+          </a:stretch>
+        </p:blipFill>
+        <p:spPr>
+          <a:xfrm>
+            <a:off x="2037996" y="3140608"/>
+            <a:ext cx="5068007" cy="419158"/>
+          </a:xfrm>
+          <a:prstGeom prst="rect">
+            <a:avLst/>
+          </a:prstGeom>
+        </p:spPr>
+      </p:pic>
     </p:spTree>
     <p:extLst>
       <p:ext uri="{BB962C8B-B14F-4D97-AF65-F5344CB8AC3E}">
@@ -2757,7 +2867,14 @@
           <a:bodyPr/>
           <a:lstStyle/>
           <a:p>
-            <a:endParaRPr lang="de-CH"/>
+            <a:r>
+              <a:rPr lang="de-CH" dirty="0" err="1"/>
+              <a:t>While</a:t>
+            </a:r>
+            <a:r>
+              <a:rPr lang="de-CH" dirty="0"/>
+              <a:t>-Schlaufe</a:t>
+            </a:r>
           </a:p>
         </p:txBody>
       </p:sp>
@@ -2771,34 +2888,147 @@
             <p:ph idx="1"/>
           </p:nvPr>
         </p:nvSpPr>
-        <p:spPr/>
+        <p:spPr>
+          <a:xfrm>
+            <a:off x="738000" y="1535761"/>
+            <a:ext cx="7794440" cy="2976503"/>
+          </a:xfrm>
+        </p:spPr>
         <p:txBody>
           <a:bodyPr/>
           <a:lstStyle/>
           <a:p>
+            <a:r>
+              <a:rPr lang="de-CH" dirty="0"/>
+              <a:t>Während </a:t>
+            </a:r>
+            <a:r>
+              <a:rPr lang="de-CH" dirty="0" err="1"/>
+              <a:t>bedingung</a:t>
+            </a:r>
+            <a:endParaRPr lang="de-CH" dirty="0"/>
+          </a:p>
+          <a:p>
+            <a:r>
+              <a:rPr lang="de-CH" dirty="0"/>
+              <a:t>Endlos</a:t>
+            </a:r>
+          </a:p>
+          <a:p>
+            <a:r>
+              <a:rPr lang="de-CH" dirty="0"/>
+              <a:t>Unterbrechen</a:t>
+            </a:r>
+          </a:p>
+          <a:p>
+            <a:r>
+              <a:rPr lang="de-CH" dirty="0"/>
+              <a:t>Zufällige Zahl</a:t>
+            </a:r>
+          </a:p>
+          <a:p>
+            <a:r>
+              <a:rPr lang="de-CH" b="1" dirty="0"/>
+              <a:t>Auftrag: </a:t>
+            </a:r>
+            <a:r>
+              <a:rPr lang="de-CH" b="1" dirty="0" err="1"/>
+              <a:t>While</a:t>
+            </a:r>
+            <a:r>
+              <a:rPr lang="de-CH" b="1" dirty="0"/>
+              <a:t>-Schlaufe mit </a:t>
+            </a:r>
+            <a:r>
+              <a:rPr lang="de-CH" b="1" dirty="0" err="1"/>
+              <a:t>if</a:t>
+            </a:r>
+            <a:r>
+              <a:rPr lang="de-CH" b="1" dirty="0"/>
+              <a:t>/</a:t>
+            </a:r>
+            <a:r>
+              <a:rPr lang="de-CH" b="1" dirty="0" err="1"/>
+              <a:t>else</a:t>
+            </a:r>
+            <a:r>
+              <a:rPr lang="de-CH" b="1" dirty="0"/>
+              <a:t>. Falls die zufällige Zahl 1 ist, dann diese Zahl ausgeben und falls die zufällige Zahl 2 ist </a:t>
+            </a:r>
+            <a:r>
+              <a:rPr lang="de-CH" b="1" dirty="0" err="1"/>
+              <a:t>While</a:t>
+            </a:r>
+            <a:r>
+              <a:rPr lang="de-CH" b="1" dirty="0"/>
+              <a:t>-Schlaufe beenden.</a:t>
+            </a:r>
+          </a:p>
+          <a:p>
             <a:endParaRPr lang="de-CH" dirty="0"/>
           </a:p>
         </p:txBody>
       </p:sp>
-      <p:sp>
-        <p:nvSpPr>
-          <p:cNvPr id="9" name="Inhaltsplatzhalter 8"/>
-          <p:cNvSpPr>
-            <a:spLocks noGrp="1"/>
-          </p:cNvSpPr>
-          <p:nvPr>
-            <p:ph idx="12"/>
-          </p:nvPr>
-        </p:nvSpPr>
-        <p:spPr/>
-        <p:txBody>
-          <a:bodyPr/>
-          <a:lstStyle/>
-          <a:p>
-            <a:endParaRPr lang="de-CH" dirty="0"/>
-          </a:p>
-        </p:txBody>
-      </p:sp>
+      <p:pic>
+        <p:nvPicPr>
+          <p:cNvPr id="11" name="Picture 10">
+            <a:extLst>
+              <a:ext uri="{FF2B5EF4-FFF2-40B4-BE49-F238E27FC236}">
+                <a16:creationId xmlns:a16="http://schemas.microsoft.com/office/drawing/2014/main" id="{B1DA3118-169D-4492-A8DF-0B6427C28201}"/>
+              </a:ext>
+            </a:extLst>
+          </p:cNvPr>
+          <p:cNvPicPr>
+            <a:picLocks noChangeAspect="1"/>
+          </p:cNvPicPr>
+          <p:nvPr/>
+        </p:nvPicPr>
+        <p:blipFill>
+          <a:blip r:embed="rId2"/>
+          <a:stretch>
+            <a:fillRect/>
+          </a:stretch>
+        </p:blipFill>
+        <p:spPr>
+          <a:xfrm>
+            <a:off x="4067944" y="1393845"/>
+            <a:ext cx="3639771" cy="1630167"/>
+          </a:xfrm>
+          <a:prstGeom prst="rect">
+            <a:avLst/>
+          </a:prstGeom>
+        </p:spPr>
+      </p:pic>
+      <p:pic>
+        <p:nvPicPr>
+          <p:cNvPr id="13" name="Picture 12">
+            <a:extLst>
+              <a:ext uri="{FF2B5EF4-FFF2-40B4-BE49-F238E27FC236}">
+                <a16:creationId xmlns:a16="http://schemas.microsoft.com/office/drawing/2014/main" id="{9275B2CD-C104-4EEA-9A88-A963A836DE1C}"/>
+              </a:ext>
+            </a:extLst>
+          </p:cNvPr>
+          <p:cNvPicPr>
+            <a:picLocks noChangeAspect="1"/>
+          </p:cNvPicPr>
+          <p:nvPr/>
+        </p:nvPicPr>
+        <p:blipFill>
+          <a:blip r:embed="rId3"/>
+          <a:stretch>
+            <a:fillRect/>
+          </a:stretch>
+        </p:blipFill>
+        <p:spPr>
+          <a:xfrm>
+            <a:off x="2987824" y="3064703"/>
+            <a:ext cx="2819794" cy="447737"/>
+          </a:xfrm>
+          <a:prstGeom prst="rect">
+            <a:avLst/>
+          </a:prstGeom>
+        </p:spPr>
+      </p:pic>
     </p:spTree>
     <p:extLst>
       <p:ext uri="{BB962C8B-B14F-4D97-AF65-F5344CB8AC3E}">
@@ -2863,50 +3093,58 @@
             <p:ph type="title"/>
           </p:nvPr>
         </p:nvSpPr>
-        <p:spPr/>
+        <p:spPr>
+          <a:xfrm>
+            <a:off x="494760" y="1059582"/>
+            <a:ext cx="8154480" cy="413885"/>
+          </a:xfrm>
+        </p:spPr>
         <p:txBody>
           <a:bodyPr/>
           <a:lstStyle/>
           <a:p>
-            <a:endParaRPr lang="de-CH"/>
+            <a:pPr algn="ctr"/>
+            <a:r>
+              <a:rPr lang="de-CH" dirty="0"/>
+              <a:t>REPETITION</a:t>
+            </a:r>
           </a:p>
         </p:txBody>
       </p:sp>
-      <p:sp>
-        <p:nvSpPr>
-          <p:cNvPr id="8" name="Inhaltsplatzhalter 7"/>
-          <p:cNvSpPr>
-            <a:spLocks noGrp="1"/>
-          </p:cNvSpPr>
-          <p:nvPr>
-            <p:ph idx="1"/>
-          </p:nvPr>
-        </p:nvSpPr>
-        <p:spPr/>
-        <p:txBody>
-          <a:bodyPr/>
-          <a:lstStyle/>
-          <a:p>
-            <a:endParaRPr lang="de-CH" dirty="0"/>
-          </a:p>
-        </p:txBody>
-      </p:sp>
-      <p:sp>
-        <p:nvSpPr>
-          <p:cNvPr id="9" name="Bildplatzhalter 8"/>
-          <p:cNvSpPr>
-            <a:spLocks noGrp="1"/>
-          </p:cNvSpPr>
-          <p:nvPr>
-            <p:ph type="pic" sz="quarter" idx="13"/>
-          </p:nvPr>
-        </p:nvSpPr>
-        <p:spPr/>
-      </p:sp>
+      <p:pic>
+        <p:nvPicPr>
+          <p:cNvPr id="5" name="Picture 4">
+            <a:extLst>
+              <a:ext uri="{FF2B5EF4-FFF2-40B4-BE49-F238E27FC236}">
+                <a16:creationId xmlns:a16="http://schemas.microsoft.com/office/drawing/2014/main" id="{DBFF078B-12ED-4CEF-B00E-A1D88624AD7C}"/>
+              </a:ext>
+            </a:extLst>
+          </p:cNvPr>
+          <p:cNvPicPr>
+            <a:picLocks noChangeAspect="1"/>
+          </p:cNvPicPr>
+          <p:nvPr/>
+        </p:nvPicPr>
+        <p:blipFill>
+          <a:blip r:embed="rId2"/>
+          <a:stretch>
+            <a:fillRect/>
+          </a:stretch>
+        </p:blipFill>
+        <p:spPr>
+          <a:xfrm>
+            <a:off x="2133600" y="1700859"/>
+            <a:ext cx="4876800" cy="2381250"/>
+          </a:xfrm>
+          <a:prstGeom prst="rect">
+            <a:avLst/>
+          </a:prstGeom>
+        </p:spPr>
+      </p:pic>
     </p:spTree>
     <p:extLst>
       <p:ext uri="{BB962C8B-B14F-4D97-AF65-F5344CB8AC3E}">
-        <p14:creationId xmlns:p14="http://schemas.microsoft.com/office/powerpoint/2010/main" val="3909771959"/>
+        <p14:creationId xmlns:p14="http://schemas.microsoft.com/office/powerpoint/2010/main" val="689302042"/>
       </p:ext>
     </p:extLst>
   </p:cSld>
@@ -2957,10 +3195,145 @@
           </a:p>
         </p:txBody>
       </p:sp>
+      <p:sp>
+        <p:nvSpPr>
+          <p:cNvPr id="7" name="Titel 6"/>
+          <p:cNvSpPr>
+            <a:spLocks noGrp="1"/>
+          </p:cNvSpPr>
+          <p:nvPr>
+            <p:ph type="title"/>
+          </p:nvPr>
+        </p:nvSpPr>
+        <p:spPr/>
+        <p:txBody>
+          <a:bodyPr/>
+          <a:lstStyle/>
+          <a:p>
+            <a:r>
+              <a:rPr lang="de-CH" dirty="0"/>
+              <a:t>Auftrag Talking-Ben</a:t>
+            </a:r>
+          </a:p>
+        </p:txBody>
+      </p:sp>
+      <p:sp>
+        <p:nvSpPr>
+          <p:cNvPr id="8" name="Inhaltsplatzhalter 7"/>
+          <p:cNvSpPr>
+            <a:spLocks noGrp="1"/>
+          </p:cNvSpPr>
+          <p:nvPr>
+            <p:ph idx="1"/>
+          </p:nvPr>
+        </p:nvSpPr>
+        <p:spPr>
+          <a:xfrm>
+            <a:off x="738000" y="1535761"/>
+            <a:ext cx="3185928" cy="2976503"/>
+          </a:xfrm>
+        </p:spPr>
+        <p:txBody>
+          <a:bodyPr/>
+          <a:lstStyle/>
+          <a:p>
+            <a:r>
+              <a:rPr lang="de-CH" dirty="0"/>
+              <a:t>Name Abfragen</a:t>
+            </a:r>
+          </a:p>
+          <a:p>
+            <a:r>
+              <a:rPr lang="de-CH" dirty="0"/>
+              <a:t>Unendliche </a:t>
+            </a:r>
+            <a:r>
+              <a:rPr lang="de-CH" dirty="0" err="1"/>
+              <a:t>While</a:t>
+            </a:r>
+            <a:r>
+              <a:rPr lang="de-CH" dirty="0"/>
+              <a:t>-Schleife</a:t>
+            </a:r>
+          </a:p>
+          <a:p>
+            <a:r>
+              <a:rPr lang="de-CH" dirty="0"/>
+              <a:t>4 Antwortmöglichkeiten</a:t>
+            </a:r>
+          </a:p>
+          <a:p>
+            <a:r>
+              <a:rPr lang="de-CH" dirty="0"/>
+              <a:t>Selber Programm beenden</a:t>
+            </a:r>
+          </a:p>
+        </p:txBody>
+      </p:sp>
+      <p:pic>
+        <p:nvPicPr>
+          <p:cNvPr id="4" name="Picture 3">
+            <a:extLst>
+              <a:ext uri="{FF2B5EF4-FFF2-40B4-BE49-F238E27FC236}">
+                <a16:creationId xmlns:a16="http://schemas.microsoft.com/office/drawing/2014/main" id="{C3903395-2998-427C-9C8B-63E1F1729631}"/>
+              </a:ext>
+            </a:extLst>
+          </p:cNvPr>
+          <p:cNvPicPr>
+            <a:picLocks noChangeAspect="1"/>
+          </p:cNvPicPr>
+          <p:nvPr/>
+        </p:nvPicPr>
+        <p:blipFill>
+          <a:blip r:embed="rId2"/>
+          <a:stretch>
+            <a:fillRect/>
+          </a:stretch>
+        </p:blipFill>
+        <p:spPr>
+          <a:xfrm>
+            <a:off x="3923928" y="483518"/>
+            <a:ext cx="5166512" cy="2402037"/>
+          </a:xfrm>
+          <a:prstGeom prst="rect">
+            <a:avLst/>
+          </a:prstGeom>
+        </p:spPr>
+      </p:pic>
+      <p:pic>
+        <p:nvPicPr>
+          <p:cNvPr id="6" name="Picture 5">
+            <a:extLst>
+              <a:ext uri="{FF2B5EF4-FFF2-40B4-BE49-F238E27FC236}">
+                <a16:creationId xmlns:a16="http://schemas.microsoft.com/office/drawing/2014/main" id="{A6ADD490-188F-4488-8293-17CAECFA8CDB}"/>
+              </a:ext>
+            </a:extLst>
+          </p:cNvPr>
+          <p:cNvPicPr>
+            <a:picLocks noChangeAspect="1"/>
+          </p:cNvPicPr>
+          <p:nvPr/>
+        </p:nvPicPr>
+        <p:blipFill>
+          <a:blip r:embed="rId3"/>
+          <a:stretch>
+            <a:fillRect/>
+          </a:stretch>
+        </p:blipFill>
+        <p:spPr>
+          <a:xfrm>
+            <a:off x="3920210" y="3151542"/>
+            <a:ext cx="5166512" cy="1149265"/>
+          </a:xfrm>
+          <a:prstGeom prst="rect">
+            <a:avLst/>
+          </a:prstGeom>
+        </p:spPr>
+      </p:pic>
     </p:spTree>
     <p:extLst>
       <p:ext uri="{BB962C8B-B14F-4D97-AF65-F5344CB8AC3E}">
-        <p14:creationId xmlns:p14="http://schemas.microsoft.com/office/powerpoint/2010/main" val="406448198"/>
+        <p14:creationId xmlns:p14="http://schemas.microsoft.com/office/powerpoint/2010/main" val="3909771959"/>
       </p:ext>
     </p:extLst>
   </p:cSld>
@@ -3020,36 +3393,6 @@
     <p:extLst>
       <p:ext uri="{BB962C8B-B14F-4D97-AF65-F5344CB8AC3E}">
         <p14:creationId xmlns:p14="http://schemas.microsoft.com/office/powerpoint/2010/main" val="2538899198"/>
-      </p:ext>
-    </p:extLst>
-  </p:cSld>
-  <p:clrMapOvr>
-    <a:masterClrMapping/>
-  </p:clrMapOvr>
-</p:sld>
-</file>
-
-<file path=ppt/slides/slide7.xml><?xml version="1.0" encoding="utf-8"?>
-<p:sld xmlns:a="http://schemas.openxmlformats.org/drawingml/2006/main" xmlns:r="http://schemas.openxmlformats.org/officeDocument/2006/relationships" xmlns:p="http://schemas.openxmlformats.org/presentationml/2006/main">
-  <p:cSld>
-    <p:spTree>
-      <p:nvGrpSpPr>
-        <p:cNvPr id="1" name=""/>
-        <p:cNvGrpSpPr/>
-        <p:nvPr/>
-      </p:nvGrpSpPr>
-      <p:grpSpPr>
-        <a:xfrm>
-          <a:off x="0" y="0"/>
-          <a:ext cx="0" cy="0"/>
-          <a:chOff x="0" y="0"/>
-          <a:chExt cx="0" cy="0"/>
-        </a:xfrm>
-      </p:grpSpPr>
-    </p:spTree>
-    <p:extLst>
-      <p:ext uri="{BB962C8B-B14F-4D97-AF65-F5344CB8AC3E}">
-        <p14:creationId xmlns:p14="http://schemas.microsoft.com/office/powerpoint/2010/main" val="4275617146"/>
       </p:ext>
     </p:extLst>
   </p:cSld>
